--- a/Pres_TDLOG.pptx
+++ b/Pres_TDLOG.pptx
@@ -5,7 +5,7 @@
     <p:sldMasterId id="2147483711" r:id="rId1"/>
   </p:sldMasterIdLst>
   <p:notesMasterIdLst>
-    <p:notesMasterId r:id="rId11"/>
+    <p:notesMasterId r:id="rId12"/>
   </p:notesMasterIdLst>
   <p:sldIdLst>
     <p:sldId id="256" r:id="rId2"/>
@@ -13,10 +13,11 @@
     <p:sldId id="259" r:id="rId4"/>
     <p:sldId id="258" r:id="rId5"/>
     <p:sldId id="264" r:id="rId6"/>
-    <p:sldId id="262" r:id="rId7"/>
-    <p:sldId id="261" r:id="rId8"/>
-    <p:sldId id="263" r:id="rId9"/>
-    <p:sldId id="265" r:id="rId10"/>
+    <p:sldId id="266" r:id="rId7"/>
+    <p:sldId id="262" r:id="rId8"/>
+    <p:sldId id="261" r:id="rId9"/>
+    <p:sldId id="263" r:id="rId10"/>
+    <p:sldId id="265" r:id="rId11"/>
   </p:sldIdLst>
   <p:sldSz cx="9144000" cy="6858000" type="screen4x3"/>
   <p:notesSz cx="6858000" cy="9144000"/>
@@ -2938,11 +2939,7 @@
           </a:r>
           <a:r>
             <a:rPr lang="en-US" dirty="0" smtClean="0"/>
-            <a:t> de la fiche </a:t>
-          </a:r>
-          <a:r>
-            <a:rPr lang="en-US" dirty="0" smtClean="0"/>
-            <a:t>et des </a:t>
+            <a:t> de la fiche et des </a:t>
           </a:r>
           <a:r>
             <a:rPr lang="en-US" dirty="0" err="1" smtClean="0"/>
@@ -3085,15 +3082,7 @@
         <a:p>
           <a:r>
             <a:rPr lang="en-US" dirty="0" smtClean="0"/>
-            <a:t>Le + : </a:t>
-          </a:r>
-          <a:r>
-            <a:rPr lang="en-US" dirty="0" smtClean="0"/>
-            <a:t>Extraction </a:t>
-          </a:r>
-          <a:r>
-            <a:rPr lang="en-US" dirty="0" smtClean="0"/>
-            <a:t>fiche sous PDF</a:t>
+            <a:t>Le + : Extraction fiche sous PDF</a:t>
           </a:r>
           <a:endParaRPr lang="en-US" dirty="0"/>
         </a:p>
@@ -3637,11 +3626,7 @@
           </a:r>
           <a:r>
             <a:rPr lang="en-US" sz="2000" dirty="0" smtClean="0"/>
-            <a:t> </a:t>
-          </a:r>
-          <a:r>
-            <a:rPr lang="en-US" sz="2000" dirty="0" smtClean="0"/>
-            <a:t>les questions de </a:t>
+            <a:t> les questions de </a:t>
           </a:r>
           <a:r>
             <a:rPr lang="en-US" sz="2000" dirty="0" err="1" smtClean="0"/>
@@ -5197,11 +5182,7 @@
           </a:r>
           <a:r>
             <a:rPr lang="en-US" sz="1500" kern="1200" dirty="0" smtClean="0"/>
-            <a:t> de la fiche </a:t>
-          </a:r>
-          <a:r>
-            <a:rPr lang="en-US" sz="1500" kern="1200" dirty="0" smtClean="0"/>
-            <a:t>et des </a:t>
+            <a:t> de la fiche et des </a:t>
           </a:r>
           <a:r>
             <a:rPr lang="en-US" sz="1500" kern="1200" dirty="0" err="1" smtClean="0"/>
@@ -5501,15 +5482,7 @@
           </a:pPr>
           <a:r>
             <a:rPr lang="en-US" sz="1800" kern="1200" dirty="0" smtClean="0"/>
-            <a:t>Le + : </a:t>
-          </a:r>
-          <a:r>
-            <a:rPr lang="en-US" sz="1800" kern="1200" dirty="0" smtClean="0"/>
-            <a:t>Extraction </a:t>
-          </a:r>
-          <a:r>
-            <a:rPr lang="en-US" sz="1800" kern="1200" dirty="0" smtClean="0"/>
-            <a:t>fiche sous PDF</a:t>
+            <a:t>Le + : Extraction fiche sous PDF</a:t>
           </a:r>
           <a:endParaRPr lang="en-US" sz="1800" kern="1200" dirty="0"/>
         </a:p>
@@ -6293,11 +6266,7 @@
           </a:r>
           <a:r>
             <a:rPr lang="en-US" sz="2000" kern="1200" dirty="0" smtClean="0"/>
-            <a:t> </a:t>
-          </a:r>
-          <a:r>
-            <a:rPr lang="en-US" sz="2000" kern="1200" dirty="0" smtClean="0"/>
-            <a:t>les questions de </a:t>
+            <a:t> les questions de </a:t>
           </a:r>
           <a:r>
             <a:rPr lang="en-US" sz="2000" kern="1200" dirty="0" err="1" smtClean="0"/>
@@ -10673,7 +10642,7 @@
           <a:p>
             <a:fld id="{00CC716A-C20F-47B0-81BC-04E551FE0142}" type="datetimeFigureOut">
               <a:rPr lang="fr-FR" smtClean="0"/>
-              <a:t>26/01/2016</a:t>
+              <a:t>27/01/2016</a:t>
             </a:fld>
             <a:endParaRPr lang="fr-FR"/>
           </a:p>
@@ -11025,6 +10994,90 @@
 </p:notes>
 </file>
 
+<file path=ppt/notesSlides/notesSlide2.xml><?xml version="1.0" encoding="utf-8"?>
+<p:notes xmlns:a="http://schemas.openxmlformats.org/drawingml/2006/main" xmlns:r="http://schemas.openxmlformats.org/officeDocument/2006/relationships" xmlns:p="http://schemas.openxmlformats.org/presentationml/2006/main">
+  <p:cSld>
+    <p:spTree>
+      <p:nvGrpSpPr>
+        <p:cNvPr id="1" name=""/>
+        <p:cNvGrpSpPr/>
+        <p:nvPr/>
+      </p:nvGrpSpPr>
+      <p:grpSpPr>
+        <a:xfrm>
+          <a:off x="0" y="0"/>
+          <a:ext cx="0" cy="0"/>
+          <a:chOff x="0" y="0"/>
+          <a:chExt cx="0" cy="0"/>
+        </a:xfrm>
+      </p:grpSpPr>
+      <p:sp>
+        <p:nvSpPr>
+          <p:cNvPr id="2" name="Espace réservé de l'image des diapositives 1"/>
+          <p:cNvSpPr>
+            <a:spLocks noGrp="1" noRot="1" noChangeAspect="1"/>
+          </p:cNvSpPr>
+          <p:nvPr>
+            <p:ph type="sldImg"/>
+          </p:nvPr>
+        </p:nvSpPr>
+        <p:spPr/>
+      </p:sp>
+      <p:sp>
+        <p:nvSpPr>
+          <p:cNvPr id="3" name="Espace réservé des commentaires 2"/>
+          <p:cNvSpPr>
+            <a:spLocks noGrp="1"/>
+          </p:cNvSpPr>
+          <p:nvPr>
+            <p:ph type="body" idx="1"/>
+          </p:nvPr>
+        </p:nvSpPr>
+        <p:spPr/>
+        <p:txBody>
+          <a:bodyPr/>
+          <a:lstStyle/>
+          <a:p>
+            <a:endParaRPr lang="fr-FR" dirty="0"/>
+          </a:p>
+        </p:txBody>
+      </p:sp>
+      <p:sp>
+        <p:nvSpPr>
+          <p:cNvPr id="4" name="Espace réservé du numéro de diapositive 3"/>
+          <p:cNvSpPr>
+            <a:spLocks noGrp="1"/>
+          </p:cNvSpPr>
+          <p:nvPr>
+            <p:ph type="sldNum" sz="quarter" idx="10"/>
+          </p:nvPr>
+        </p:nvSpPr>
+        <p:spPr/>
+        <p:txBody>
+          <a:bodyPr/>
+          <a:lstStyle/>
+          <a:p>
+            <a:fld id="{0A4E67C7-D73D-4BF7-ACA3-4FE5B2D8E51F}" type="slidenum">
+              <a:rPr lang="fr-FR" smtClean="0"/>
+              <a:t>6</a:t>
+            </a:fld>
+            <a:endParaRPr lang="fr-FR"/>
+          </a:p>
+        </p:txBody>
+      </p:sp>
+    </p:spTree>
+    <p:extLst>
+      <p:ext uri="{BB962C8B-B14F-4D97-AF65-F5344CB8AC3E}">
+        <p14:creationId xmlns:p14="http://schemas.microsoft.com/office/powerpoint/2010/main" val="770515208"/>
+      </p:ext>
+    </p:extLst>
+  </p:cSld>
+  <p:clrMapOvr>
+    <a:masterClrMapping/>
+  </p:clrMapOvr>
+</p:notes>
+</file>
+
 <file path=ppt/slideLayouts/slideLayout1.xml><?xml version="1.0" encoding="utf-8"?>
 <p:sldLayout xmlns:a="http://schemas.openxmlformats.org/drawingml/2006/main" xmlns:r="http://schemas.openxmlformats.org/officeDocument/2006/relationships" xmlns:p="http://schemas.openxmlformats.org/presentationml/2006/main" type="title" preserve="1">
   <p:cSld name="Diapositive de titre">
@@ -11212,7 +11265,7 @@
           <a:p>
             <a:fld id="{5618183D-D5D9-4B4F-B212-ED0C6DA04BD7}" type="datetimeFigureOut">
               <a:rPr lang="en-US" smtClean="0"/>
-              <a:t>1/26/2016</a:t>
+              <a:t>1/27/2016</a:t>
             </a:fld>
             <a:endParaRPr lang="en-US"/>
           </a:p>
@@ -11377,7 +11430,7 @@
           <a:p>
             <a:fld id="{5618183D-D5D9-4B4F-B212-ED0C6DA04BD7}" type="datetimeFigureOut">
               <a:rPr lang="en-US" smtClean="0"/>
-              <a:t>1/26/2016</a:t>
+              <a:t>1/27/2016</a:t>
             </a:fld>
             <a:endParaRPr lang="en-US"/>
           </a:p>
@@ -11552,7 +11605,7 @@
           <a:p>
             <a:fld id="{5618183D-D5D9-4B4F-B212-ED0C6DA04BD7}" type="datetimeFigureOut">
               <a:rPr lang="en-US" smtClean="0"/>
-              <a:t>1/26/2016</a:t>
+              <a:t>1/27/2016</a:t>
             </a:fld>
             <a:endParaRPr lang="en-US"/>
           </a:p>
@@ -11717,7 +11770,7 @@
           <a:p>
             <a:fld id="{5618183D-D5D9-4B4F-B212-ED0C6DA04BD7}" type="datetimeFigureOut">
               <a:rPr lang="en-US" smtClean="0"/>
-              <a:t>1/26/2016</a:t>
+              <a:t>1/27/2016</a:t>
             </a:fld>
             <a:endParaRPr lang="en-US"/>
           </a:p>
@@ -11956,7 +12009,7 @@
           <a:p>
             <a:fld id="{5618183D-D5D9-4B4F-B212-ED0C6DA04BD7}" type="datetimeFigureOut">
               <a:rPr lang="en-US" smtClean="0"/>
-              <a:t>1/26/2016</a:t>
+              <a:t>1/27/2016</a:t>
             </a:fld>
             <a:endParaRPr lang="en-US"/>
           </a:p>
@@ -12046,7 +12099,7 @@
           <a:p>
             <a:fld id="{5618183D-D5D9-4B4F-B212-ED0C6DA04BD7}" type="datetimeFigureOut">
               <a:rPr lang="en-US" smtClean="0"/>
-              <a:t>1/26/2016</a:t>
+              <a:t>1/27/2016</a:t>
             </a:fld>
             <a:endParaRPr lang="en-US"/>
           </a:p>
@@ -12420,7 +12473,7 @@
           <a:p>
             <a:fld id="{5618183D-D5D9-4B4F-B212-ED0C6DA04BD7}" type="datetimeFigureOut">
               <a:rPr lang="en-US" smtClean="0"/>
-              <a:t>1/26/2016</a:t>
+              <a:t>1/27/2016</a:t>
             </a:fld>
             <a:endParaRPr lang="en-US"/>
           </a:p>
@@ -12675,7 +12728,7 @@
           <a:p>
             <a:fld id="{5618183D-D5D9-4B4F-B212-ED0C6DA04BD7}" type="datetimeFigureOut">
               <a:rPr lang="en-US" smtClean="0"/>
-              <a:t>1/26/2016</a:t>
+              <a:t>1/27/2016</a:t>
             </a:fld>
             <a:endParaRPr lang="en-US"/>
           </a:p>
@@ -12765,7 +12818,7 @@
           <a:p>
             <a:fld id="{5618183D-D5D9-4B4F-B212-ED0C6DA04BD7}" type="datetimeFigureOut">
               <a:rPr lang="en-US" smtClean="0"/>
-              <a:t>1/26/2016</a:t>
+              <a:t>1/27/2016</a:t>
             </a:fld>
             <a:endParaRPr lang="en-US"/>
           </a:p>
@@ -13039,7 +13092,7 @@
           <a:p>
             <a:fld id="{5618183D-D5D9-4B4F-B212-ED0C6DA04BD7}" type="datetimeFigureOut">
               <a:rPr lang="en-US" smtClean="0"/>
-              <a:t>1/26/2016</a:t>
+              <a:t>1/27/2016</a:t>
             </a:fld>
             <a:endParaRPr lang="en-US"/>
           </a:p>
@@ -13311,7 +13364,7 @@
           <a:p>
             <a:fld id="{5618183D-D5D9-4B4F-B212-ED0C6DA04BD7}" type="datetimeFigureOut">
               <a:rPr lang="en-US" smtClean="0"/>
-              <a:t>1/26/2016</a:t>
+              <a:t>1/27/2016</a:t>
             </a:fld>
             <a:endParaRPr lang="en-US"/>
           </a:p>
@@ -13611,7 +13664,7 @@
           <a:p>
             <a:fld id="{5618183D-D5D9-4B4F-B212-ED0C6DA04BD7}" type="datetimeFigureOut">
               <a:rPr lang="en-US" smtClean="0"/>
-              <a:t>1/26/2016</a:t>
+              <a:t>1/27/2016</a:t>
             </a:fld>
             <a:endParaRPr lang="en-US"/>
           </a:p>
@@ -14091,25 +14144,7 @@
                   </a:outerShdw>
                 </a:effectLst>
               </a:rPr>
-              <a:t>Techniques </a:t>
-            </a:r>
-            <a:r>
-              <a:rPr lang="en-US" dirty="0" smtClean="0">
-                <a:effectLst>
-                  <a:glow rad="63500">
-                    <a:schemeClr val="accent1">
-                      <a:satMod val="175000"/>
-                      <a:alpha val="40000"/>
-                    </a:schemeClr>
-                  </a:glow>
-                  <a:outerShdw blurRad="50800" dist="38100" dir="5400000" algn="t" rotWithShape="0">
-                    <a:prstClr val="black">
-                      <a:alpha val="40000"/>
-                    </a:prstClr>
-                  </a:outerShdw>
-                </a:effectLst>
-              </a:rPr>
-              <a:t>de </a:t>
+              <a:t>Techniques de </a:t>
             </a:r>
             <a:r>
               <a:rPr lang="en-US" dirty="0" err="1">
@@ -14217,16 +14252,12 @@
           <a:lstStyle/>
           <a:p>
             <a:r>
-              <a:rPr lang="en-US" dirty="0" err="1" smtClean="0"/>
-              <a:t>Projet</a:t>
-            </a:r>
-            <a:r>
               <a:rPr lang="en-US" dirty="0" smtClean="0"/>
-              <a:t> </a:t>
+              <a:t>ANMA</a:t>
             </a:r>
             <a:r>
               <a:rPr lang="en-US" dirty="0" smtClean="0"/>
-              <a:t>ANMA, </a:t>
+              <a:t>, </a:t>
             </a:r>
             <a:r>
               <a:rPr lang="en-US" dirty="0" err="1" smtClean="0"/>
@@ -14261,7 +14292,7 @@
       </p:sp>
       <p:pic>
         <p:nvPicPr>
-          <p:cNvPr id="3074" name="Picture 2" descr="Afficher l'image d'origine"/>
+          <p:cNvPr id="4098" name="Picture 2" descr="Afficher l'image d'origine"/>
           <p:cNvPicPr>
             <a:picLocks noChangeAspect="1" noChangeArrowheads="1"/>
           </p:cNvPicPr>
@@ -14282,8 +14313,8 @@
         </p:blipFill>
         <p:spPr bwMode="auto">
           <a:xfrm>
-            <a:off x="331201" y="300212"/>
-            <a:ext cx="1390650" cy="1581150"/>
+            <a:off x="351618" y="232526"/>
+            <a:ext cx="1125564" cy="1473446"/>
           </a:xfrm>
           <a:prstGeom prst="rect">
             <a:avLst/>
@@ -14304,6 +14335,109 @@
     <p:extLst>
       <p:ext uri="{BB962C8B-B14F-4D97-AF65-F5344CB8AC3E}">
         <p14:creationId xmlns:p14="http://schemas.microsoft.com/office/powerpoint/2010/main" val="2385987030"/>
+      </p:ext>
+    </p:extLst>
+  </p:cSld>
+  <p:clrMapOvr>
+    <a:masterClrMapping/>
+  </p:clrMapOvr>
+  <p:timing>
+    <p:tnLst>
+      <p:par>
+        <p:cTn id="1" dur="indefinite" restart="never" nodeType="tmRoot"/>
+      </p:par>
+    </p:tnLst>
+  </p:timing>
+</p:sld>
+</file>
+
+<file path=ppt/slides/slide10.xml><?xml version="1.0" encoding="utf-8"?>
+<p:sld xmlns:a="http://schemas.openxmlformats.org/drawingml/2006/main" xmlns:r="http://schemas.openxmlformats.org/officeDocument/2006/relationships" xmlns:p="http://schemas.openxmlformats.org/presentationml/2006/main">
+  <p:cSld>
+    <p:spTree>
+      <p:nvGrpSpPr>
+        <p:cNvPr id="1" name=""/>
+        <p:cNvGrpSpPr/>
+        <p:nvPr/>
+      </p:nvGrpSpPr>
+      <p:grpSpPr>
+        <a:xfrm>
+          <a:off x="0" y="0"/>
+          <a:ext cx="0" cy="0"/>
+          <a:chOff x="0" y="0"/>
+          <a:chExt cx="0" cy="0"/>
+        </a:xfrm>
+      </p:grpSpPr>
+      <p:sp>
+        <p:nvSpPr>
+          <p:cNvPr id="2" name="Titre 1"/>
+          <p:cNvSpPr>
+            <a:spLocks noGrp="1"/>
+          </p:cNvSpPr>
+          <p:nvPr>
+            <p:ph type="title"/>
+          </p:nvPr>
+        </p:nvSpPr>
+        <p:spPr/>
+        <p:txBody>
+          <a:bodyPr>
+            <a:normAutofit/>
+          </a:bodyPr>
+          <a:lstStyle/>
+          <a:p>
+            <a:r>
+              <a:rPr lang="fr-FR" dirty="0">
+                <a:solidFill>
+                  <a:schemeClr val="accent1"/>
+                </a:solidFill>
+                <a:effectLst>
+                  <a:glow rad="63500">
+                    <a:schemeClr val="accent1">
+                      <a:satMod val="175000"/>
+                      <a:alpha val="40000"/>
+                    </a:schemeClr>
+                  </a:glow>
+                </a:effectLst>
+              </a:rPr>
+              <a:t>Merci de votre attention</a:t>
+            </a:r>
+          </a:p>
+        </p:txBody>
+      </p:sp>
+      <p:sp>
+        <p:nvSpPr>
+          <p:cNvPr id="3" name="Espace réservé du contenu 2"/>
+          <p:cNvSpPr>
+            <a:spLocks noGrp="1"/>
+          </p:cNvSpPr>
+          <p:nvPr>
+            <p:ph idx="1"/>
+          </p:nvPr>
+        </p:nvSpPr>
+        <p:spPr/>
+        <p:txBody>
+          <a:bodyPr/>
+          <a:lstStyle/>
+          <a:p>
+            <a:pPr marL="45720" indent="0">
+              <a:buNone/>
+            </a:pPr>
+            <a:r>
+              <a:rPr lang="fr-FR" dirty="0" smtClean="0"/>
+              <a:t>Anna Le Cerf, Marion </a:t>
+            </a:r>
+            <a:r>
+              <a:rPr lang="fr-FR" dirty="0" err="1" smtClean="0"/>
+              <a:t>Tormento</a:t>
+            </a:r>
+            <a:endParaRPr lang="fr-FR" dirty="0"/>
+          </a:p>
+        </p:txBody>
+      </p:sp>
+    </p:spTree>
+    <p:extLst>
+      <p:ext uri="{BB962C8B-B14F-4D97-AF65-F5344CB8AC3E}">
+        <p14:creationId xmlns:p14="http://schemas.microsoft.com/office/powerpoint/2010/main" val="1011754086"/>
       </p:ext>
     </p:extLst>
   </p:cSld>
@@ -14531,23 +14665,7 @@
                   </a:glow>
                 </a:effectLst>
               </a:rPr>
-              <a:t>Évolutio</a:t>
-            </a:r>
-            <a:r>
-              <a:rPr lang="en-US" dirty="0" err="1" smtClean="0">
-                <a:solidFill>
-                  <a:schemeClr val="accent1"/>
-                </a:solidFill>
-                <a:effectLst>
-                  <a:glow rad="63500">
-                    <a:schemeClr val="accent1">
-                      <a:satMod val="175000"/>
-                      <a:alpha val="40000"/>
-                    </a:schemeClr>
-                  </a:glow>
-                </a:effectLst>
-              </a:rPr>
-              <a:t>n</a:t>
+              <a:t>Évolution</a:t>
             </a:r>
             <a:r>
               <a:rPr lang="en-US" dirty="0" smtClean="0">
@@ -14703,7 +14821,7 @@
         </p:nvSpPr>
         <p:spPr>
           <a:xfrm>
-            <a:off x="5190284" y="2348087"/>
+            <a:off x="5137250" y="3344386"/>
             <a:ext cx="3364992" cy="621792"/>
           </a:xfrm>
         </p:spPr>
@@ -14712,8 +14830,12 @@
           <a:lstStyle/>
           <a:p>
             <a:r>
+              <a:rPr lang="en-US" sz="2400" dirty="0" smtClean="0"/>
+              <a:t>Code </a:t>
+            </a:r>
+            <a:r>
               <a:rPr lang="en-US" sz="2400" dirty="0"/>
-              <a:t>Code Model</a:t>
+              <a:t>Model</a:t>
             </a:r>
           </a:p>
           <a:p>
@@ -14733,7 +14855,7 @@
         </p:nvSpPr>
         <p:spPr>
           <a:xfrm>
-            <a:off x="5243318" y="3988412"/>
+            <a:off x="5243318" y="4520684"/>
             <a:ext cx="3362062" cy="621792"/>
           </a:xfrm>
         </p:spPr>
@@ -14768,7 +14890,9 @@
           </a:xfrm>
         </p:spPr>
         <p:txBody>
-          <a:bodyPr/>
+          <a:bodyPr>
+            <a:normAutofit fontScale="90000"/>
+          </a:bodyPr>
           <a:lstStyle/>
           <a:p>
             <a:r>
@@ -14785,6 +14909,19 @@
               <a:t>Choix</a:t>
             </a:r>
             <a:r>
+              <a:rPr lang="en-US" dirty="0">
+                <a:effectLst>
+                  <a:glow rad="63500">
+                    <a:schemeClr val="accent1">
+                      <a:satMod val="175000"/>
+                      <a:alpha val="40000"/>
+                    </a:schemeClr>
+                  </a:glow>
+                </a:effectLst>
+              </a:rPr>
+              <a:t> Techniques et </a:t>
+            </a:r>
+            <a:r>
               <a:rPr lang="en-US" dirty="0" smtClean="0">
                 <a:effectLst>
                   <a:glow rad="63500">
@@ -14795,7 +14932,7 @@
                   </a:glow>
                 </a:effectLst>
               </a:rPr>
-              <a:t> techniques</a:t>
+              <a:t>Architecture</a:t>
             </a:r>
             <a:endParaRPr lang="en-US" dirty="0">
               <a:effectLst>
@@ -14822,8 +14959,8 @@
         </p:nvSpPr>
         <p:spPr>
           <a:xfrm>
-            <a:off x="5177758" y="2579859"/>
-            <a:ext cx="3566160" cy="4044653"/>
+            <a:off x="5124724" y="3576159"/>
+            <a:ext cx="3566160" cy="927616"/>
           </a:xfrm>
         </p:spPr>
         <p:txBody>
@@ -14849,11 +14986,7 @@
             </a:r>
             <a:r>
               <a:rPr lang="en-US" sz="1900" dirty="0" smtClean="0"/>
-              <a:t>: </a:t>
-            </a:r>
-            <a:r>
-              <a:rPr lang="en-US" sz="1900" dirty="0" smtClean="0"/>
-              <a:t>random</a:t>
+              <a:t>: random</a:t>
             </a:r>
           </a:p>
           <a:p>
@@ -14876,8 +15009,8 @@
         </p:nvSpPr>
         <p:spPr>
           <a:xfrm>
-            <a:off x="5190284" y="4347158"/>
-            <a:ext cx="3566160" cy="3405825"/>
+            <a:off x="5190284" y="4879431"/>
+            <a:ext cx="3566160" cy="1685152"/>
           </a:xfrm>
         </p:spPr>
         <p:txBody>
@@ -14994,6 +15127,99 @@
           <a:xfrm>
             <a:off x="237995" y="1455639"/>
             <a:ext cx="4576509" cy="5155938"/>
+          </a:xfrm>
+          <a:prstGeom prst="rect">
+            <a:avLst/>
+          </a:prstGeom>
+          <a:noFill/>
+          <a:extLst>
+            <a:ext uri="{909E8E84-426E-40DD-AFC4-6F175D3DCCD1}">
+              <a14:hiddenFill xmlns:a14="http://schemas.microsoft.com/office/drawing/2010/main">
+                <a:solidFill>
+                  <a:srgbClr val="FFFFFF"/>
+                </a:solidFill>
+              </a14:hiddenFill>
+            </a:ext>
+          </a:extLst>
+        </p:spPr>
+      </p:pic>
+      <p:pic>
+        <p:nvPicPr>
+          <p:cNvPr id="3074" name="Picture 2" descr="Afficher l'image d'origine"/>
+          <p:cNvPicPr>
+            <a:picLocks noChangeAspect="1" noChangeArrowheads="1"/>
+          </p:cNvPicPr>
+          <p:nvPr/>
+        </p:nvPicPr>
+        <p:blipFill>
+          <a:blip r:embed="rId3">
+            <a:extLst>
+              <a:ext uri="{28A0092B-C50C-407E-A947-70E740481C1C}">
+                <a14:useLocalDpi xmlns:a14="http://schemas.microsoft.com/office/drawing/2010/main" val="0"/>
+              </a:ext>
+            </a:extLst>
+          </a:blip>
+          <a:srcRect/>
+          <a:stretch>
+            <a:fillRect/>
+          </a:stretch>
+        </p:blipFill>
+        <p:spPr bwMode="auto">
+          <a:xfrm>
+            <a:off x="5382910" y="1446953"/>
+            <a:ext cx="1236254" cy="1236255"/>
+          </a:xfrm>
+          <a:prstGeom prst="rect">
+            <a:avLst/>
+          </a:prstGeom>
+          <a:noFill/>
+          <a:extLst>
+            <a:ext uri="{909E8E84-426E-40DD-AFC4-6F175D3DCCD1}">
+              <a14:hiddenFill xmlns:a14="http://schemas.microsoft.com/office/drawing/2010/main">
+                <a:solidFill>
+                  <a:srgbClr val="FFFFFF"/>
+                </a:solidFill>
+              </a14:hiddenFill>
+            </a:ext>
+          </a:extLst>
+        </p:spPr>
+      </p:pic>
+      <p:pic>
+        <p:nvPicPr>
+          <p:cNvPr id="3076" name="Picture 4" descr="Afficher l'image d'origine"/>
+          <p:cNvPicPr>
+            <a:picLocks noChangeAspect="1" noChangeArrowheads="1"/>
+          </p:cNvPicPr>
+          <p:nvPr/>
+        </p:nvPicPr>
+        <p:blipFill>
+          <a:blip r:embed="rId4">
+            <a:clrChange>
+              <a:clrFrom>
+                <a:srgbClr val="FFFFFF"/>
+              </a:clrFrom>
+              <a:clrTo>
+                <a:srgbClr val="FFFFFF">
+                  <a:alpha val="0"/>
+                </a:srgbClr>
+              </a:clrTo>
+            </a:clrChange>
+            <a:lum bright="70000" contrast="-70000"/>
+            <a:extLst>
+              <a:ext uri="{28A0092B-C50C-407E-A947-70E740481C1C}">
+                <a14:useLocalDpi xmlns:a14="http://schemas.microsoft.com/office/drawing/2010/main" val="0"/>
+              </a:ext>
+            </a:extLst>
+          </a:blip>
+          <a:srcRect/>
+          <a:stretch>
+            <a:fillRect/>
+          </a:stretch>
+        </p:blipFill>
+        <p:spPr bwMode="auto">
+          <a:xfrm>
+            <a:off x="7150443" y="1363043"/>
+            <a:ext cx="1454937" cy="1454937"/>
           </a:xfrm>
           <a:prstGeom prst="rect">
             <a:avLst/>
@@ -15102,7 +15328,7 @@
               <a:t> </a:t>
             </a:r>
             <a:r>
-              <a:rPr lang="en-US" dirty="0" err="1">
+              <a:rPr lang="en-US" dirty="0" err="1" smtClean="0">
                 <a:solidFill>
                   <a:schemeClr val="accent1"/>
                 </a:solidFill>
@@ -15135,7 +15361,7 @@
       </p:sp>
       <p:pic>
         <p:nvPicPr>
-          <p:cNvPr id="2051" name="Picture 3" descr="C:\Users\mario\Pictures\Picasa\Captures d'écran\Capture plein écran 26012016 185114.bmp.jpg"/>
+          <p:cNvPr id="2056" name="Picture 8" descr="C:\Users\mario\Documents\GitHub\ProjetTDLOG\suite des actions.jpeg"/>
           <p:cNvPicPr>
             <a:picLocks noChangeAspect="1" noChangeArrowheads="1"/>
           </p:cNvPicPr>
@@ -15156,8 +15382,8 @@
         </p:blipFill>
         <p:spPr bwMode="auto">
           <a:xfrm>
-            <a:off x="626298" y="2939369"/>
-            <a:ext cx="3081403" cy="1432582"/>
+            <a:off x="245497" y="1503123"/>
+            <a:ext cx="8647514" cy="870190"/>
           </a:xfrm>
           <a:prstGeom prst="rect">
             <a:avLst/>
@@ -15176,7 +15402,7 @@
       </p:pic>
       <p:pic>
         <p:nvPicPr>
-          <p:cNvPr id="2052" name="Picture 4" descr="C:\Users\mario\Pictures\Picasa\Captures d'écran\Capture plein écran 26012016 185138.bmp.jpg"/>
+          <p:cNvPr id="1026" name="Picture 2" descr="C:\Users\mario\Pictures\Picasa\Captures d'écran\Capture plein écran 27012016 084741.bmp.jpg"/>
           <p:cNvPicPr>
             <a:picLocks noChangeAspect="1" noChangeArrowheads="1"/>
           </p:cNvPicPr>
@@ -15197,8 +15423,8 @@
         </p:blipFill>
         <p:spPr bwMode="auto">
           <a:xfrm>
-            <a:off x="514413" y="4916833"/>
-            <a:ext cx="3305175" cy="457200"/>
+            <a:off x="165366" y="3027077"/>
+            <a:ext cx="2724150" cy="1695450"/>
           </a:xfrm>
           <a:prstGeom prst="rect">
             <a:avLst/>
@@ -15217,7 +15443,7 @@
       </p:pic>
       <p:pic>
         <p:nvPicPr>
-          <p:cNvPr id="2054" name="Picture 6" descr="C:\Users\mario\Documents\GitHub\ProjetTDLOG\stata.png"/>
+          <p:cNvPr id="1027" name="Picture 3" descr="C:\Users\mario\Pictures\Picasa\Captures d'écran\Capture plein écran 27012016 084844.bmp.jpg"/>
           <p:cNvPicPr>
             <a:picLocks noChangeAspect="1" noChangeArrowheads="1"/>
           </p:cNvPicPr>
@@ -15238,8 +15464,8 @@
         </p:blipFill>
         <p:spPr bwMode="auto">
           <a:xfrm>
-            <a:off x="4319783" y="2691582"/>
-            <a:ext cx="4565779" cy="3360738"/>
+            <a:off x="3196066" y="2692353"/>
+            <a:ext cx="2257425" cy="1428750"/>
           </a:xfrm>
           <a:prstGeom prst="rect">
             <a:avLst/>
@@ -15258,7 +15484,7 @@
       </p:pic>
       <p:pic>
         <p:nvPicPr>
-          <p:cNvPr id="2056" name="Picture 8" descr="C:\Users\mario\Documents\GitHub\ProjetTDLOG\suite des actions.jpeg"/>
+          <p:cNvPr id="1028" name="Picture 4" descr="C:\Users\mario\Pictures\Picasa\Captures d'écran\Capture plein écran 27012016 085003.bmp.jpg"/>
           <p:cNvPicPr>
             <a:picLocks noChangeAspect="1" noChangeArrowheads="1"/>
           </p:cNvPicPr>
@@ -15279,8 +15505,172 @@
         </p:blipFill>
         <p:spPr bwMode="auto">
           <a:xfrm>
-            <a:off x="245497" y="1503123"/>
-            <a:ext cx="8647514" cy="870190"/>
+            <a:off x="5715000" y="2719838"/>
+            <a:ext cx="2514600" cy="1466850"/>
+          </a:xfrm>
+          <a:prstGeom prst="rect">
+            <a:avLst/>
+          </a:prstGeom>
+          <a:noFill/>
+          <a:extLst>
+            <a:ext uri="{909E8E84-426E-40DD-AFC4-6F175D3DCCD1}">
+              <a14:hiddenFill xmlns:a14="http://schemas.microsoft.com/office/drawing/2010/main">
+                <a:solidFill>
+                  <a:srgbClr val="FFFFFF"/>
+                </a:solidFill>
+              </a14:hiddenFill>
+            </a:ext>
+          </a:extLst>
+        </p:spPr>
+      </p:pic>
+      <p:pic>
+        <p:nvPicPr>
+          <p:cNvPr id="1029" name="Picture 5" descr="C:\Users\mario\Pictures\Picasa\Captures d'écran\Capture plein écran 27012016 085135.bmp.jpg"/>
+          <p:cNvPicPr>
+            <a:picLocks noChangeAspect="1" noChangeArrowheads="1"/>
+          </p:cNvPicPr>
+          <p:nvPr/>
+        </p:nvPicPr>
+        <p:blipFill>
+          <a:blip r:embed="rId7">
+            <a:extLst>
+              <a:ext uri="{28A0092B-C50C-407E-A947-70E740481C1C}">
+                <a14:useLocalDpi xmlns:a14="http://schemas.microsoft.com/office/drawing/2010/main" val="0"/>
+              </a:ext>
+            </a:extLst>
+          </a:blip>
+          <a:srcRect/>
+          <a:stretch>
+            <a:fillRect/>
+          </a:stretch>
+        </p:blipFill>
+        <p:spPr bwMode="auto">
+          <a:xfrm>
+            <a:off x="5657850" y="4692673"/>
+            <a:ext cx="3486150" cy="1666875"/>
+          </a:xfrm>
+          <a:prstGeom prst="rect">
+            <a:avLst/>
+          </a:prstGeom>
+          <a:noFill/>
+          <a:extLst>
+            <a:ext uri="{909E8E84-426E-40DD-AFC4-6F175D3DCCD1}">
+              <a14:hiddenFill xmlns:a14="http://schemas.microsoft.com/office/drawing/2010/main">
+                <a:solidFill>
+                  <a:srgbClr val="FFFFFF"/>
+                </a:solidFill>
+              </a14:hiddenFill>
+            </a:ext>
+          </a:extLst>
+        </p:spPr>
+      </p:pic>
+      <p:pic>
+        <p:nvPicPr>
+          <p:cNvPr id="1030" name="Picture 6" descr="C:\Users\mario\Pictures\Picasa\Captures d'écran\Capture plein écran 27012016 085309.bmp.jpg"/>
+          <p:cNvPicPr>
+            <a:picLocks noChangeAspect="1" noChangeArrowheads="1"/>
+          </p:cNvPicPr>
+          <p:nvPr/>
+        </p:nvPicPr>
+        <p:blipFill>
+          <a:blip r:embed="rId8">
+            <a:extLst>
+              <a:ext uri="{28A0092B-C50C-407E-A947-70E740481C1C}">
+                <a14:useLocalDpi xmlns:a14="http://schemas.microsoft.com/office/drawing/2010/main" val="0"/>
+              </a:ext>
+            </a:extLst>
+          </a:blip>
+          <a:srcRect/>
+          <a:stretch>
+            <a:fillRect/>
+          </a:stretch>
+        </p:blipFill>
+        <p:spPr bwMode="auto">
+          <a:xfrm>
+            <a:off x="1184541" y="4949848"/>
+            <a:ext cx="1704975" cy="1409700"/>
+          </a:xfrm>
+          <a:prstGeom prst="rect">
+            <a:avLst/>
+          </a:prstGeom>
+          <a:noFill/>
+          <a:extLst>
+            <a:ext uri="{909E8E84-426E-40DD-AFC4-6F175D3DCCD1}">
+              <a14:hiddenFill xmlns:a14="http://schemas.microsoft.com/office/drawing/2010/main">
+                <a:solidFill>
+                  <a:srgbClr val="FFFFFF"/>
+                </a:solidFill>
+              </a14:hiddenFill>
+            </a:ext>
+          </a:extLst>
+        </p:spPr>
+      </p:pic>
+      <p:pic>
+        <p:nvPicPr>
+          <p:cNvPr id="1031" name="Picture 7" descr="C:\Users\mario\Pictures\Picasa\Captures d'écran\Capture plein écran 27012016 085316.bmp.jpg"/>
+          <p:cNvPicPr>
+            <a:picLocks noChangeAspect="1" noChangeArrowheads="1"/>
+          </p:cNvPicPr>
+          <p:nvPr/>
+        </p:nvPicPr>
+        <p:blipFill>
+          <a:blip r:embed="rId9">
+            <a:extLst>
+              <a:ext uri="{28A0092B-C50C-407E-A947-70E740481C1C}">
+                <a14:useLocalDpi xmlns:a14="http://schemas.microsoft.com/office/drawing/2010/main" val="0"/>
+              </a:ext>
+            </a:extLst>
+          </a:blip>
+          <a:srcRect/>
+          <a:stretch>
+            <a:fillRect/>
+          </a:stretch>
+        </p:blipFill>
+        <p:spPr bwMode="auto">
+          <a:xfrm>
+            <a:off x="3196066" y="4324087"/>
+            <a:ext cx="2228850" cy="1104900"/>
+          </a:xfrm>
+          <a:prstGeom prst="rect">
+            <a:avLst/>
+          </a:prstGeom>
+          <a:noFill/>
+          <a:extLst>
+            <a:ext uri="{909E8E84-426E-40DD-AFC4-6F175D3DCCD1}">
+              <a14:hiddenFill xmlns:a14="http://schemas.microsoft.com/office/drawing/2010/main">
+                <a:solidFill>
+                  <a:srgbClr val="FFFFFF"/>
+                </a:solidFill>
+              </a14:hiddenFill>
+            </a:ext>
+          </a:extLst>
+        </p:spPr>
+      </p:pic>
+      <p:pic>
+        <p:nvPicPr>
+          <p:cNvPr id="1032" name="Picture 8" descr="C:\Users\mario\Pictures\Picasa\Captures d'écran\Capture plein écran 27012016 085929.bmp.jpg"/>
+          <p:cNvPicPr>
+            <a:picLocks noChangeAspect="1" noChangeArrowheads="1"/>
+          </p:cNvPicPr>
+          <p:nvPr/>
+        </p:nvPicPr>
+        <p:blipFill>
+          <a:blip r:embed="rId10">
+            <a:extLst>
+              <a:ext uri="{28A0092B-C50C-407E-A947-70E740481C1C}">
+                <a14:useLocalDpi xmlns:a14="http://schemas.microsoft.com/office/drawing/2010/main" val="0"/>
+              </a:ext>
+            </a:extLst>
+          </a:blip>
+          <a:srcRect/>
+          <a:stretch>
+            <a:fillRect/>
+          </a:stretch>
+        </p:blipFill>
+        <p:spPr bwMode="auto">
+          <a:xfrm>
+            <a:off x="3196066" y="5526111"/>
+            <a:ext cx="2190750" cy="1114425"/>
           </a:xfrm>
           <a:prstGeom prst="rect">
             <a:avLst/>
@@ -15344,7 +15734,12 @@
             <p:ph type="title"/>
           </p:nvPr>
         </p:nvSpPr>
-        <p:spPr/>
+        <p:spPr>
+          <a:xfrm>
+            <a:off x="914400" y="29066"/>
+            <a:ext cx="7315200" cy="1154097"/>
+          </a:xfrm>
+        </p:spPr>
         <p:txBody>
           <a:bodyPr>
             <a:normAutofit/>
@@ -15365,7 +15760,39 @@
                   </a:glow>
                 </a:effectLst>
               </a:rPr>
-              <a:t>Démonstration</a:t>
+              <a:t>Résultats</a:t>
+            </a:r>
+            <a:r>
+              <a:rPr lang="en-US" dirty="0">
+                <a:solidFill>
+                  <a:schemeClr val="accent1"/>
+                </a:solidFill>
+                <a:effectLst>
+                  <a:glow rad="63500">
+                    <a:schemeClr val="accent1">
+                      <a:satMod val="175000"/>
+                      <a:alpha val="40000"/>
+                    </a:schemeClr>
+                  </a:glow>
+                </a:effectLst>
+              </a:rPr>
+              <a:t> </a:t>
+            </a:r>
+            <a:r>
+              <a:rPr lang="en-US" dirty="0" err="1">
+                <a:solidFill>
+                  <a:schemeClr val="accent1"/>
+                </a:solidFill>
+                <a:effectLst>
+                  <a:glow rad="63500">
+                    <a:schemeClr val="accent1">
+                      <a:satMod val="175000"/>
+                      <a:alpha val="40000"/>
+                    </a:schemeClr>
+                  </a:glow>
+                </a:effectLst>
+              </a:rPr>
+              <a:t>obtenus</a:t>
             </a:r>
             <a:endParaRPr lang="en-US" dirty="0">
               <a:solidFill>
@@ -15383,10 +15810,215 @@
           </a:p>
         </p:txBody>
       </p:sp>
+      <p:pic>
+        <p:nvPicPr>
+          <p:cNvPr id="2051" name="Picture 3" descr="C:\Users\mario\Pictures\Picasa\Captures d'écran\Capture plein écran 26012016 185114.bmp.jpg"/>
+          <p:cNvPicPr>
+            <a:picLocks noChangeAspect="1" noChangeArrowheads="1"/>
+          </p:cNvPicPr>
+          <p:nvPr/>
+        </p:nvPicPr>
+        <p:blipFill>
+          <a:blip r:embed="rId3">
+            <a:extLst>
+              <a:ext uri="{28A0092B-C50C-407E-A947-70E740481C1C}">
+                <a14:useLocalDpi xmlns:a14="http://schemas.microsoft.com/office/drawing/2010/main" val="0"/>
+              </a:ext>
+            </a:extLst>
+          </a:blip>
+          <a:srcRect/>
+          <a:stretch>
+            <a:fillRect/>
+          </a:stretch>
+        </p:blipFill>
+        <p:spPr bwMode="auto">
+          <a:xfrm>
+            <a:off x="514412" y="2939369"/>
+            <a:ext cx="3081403" cy="1432582"/>
+          </a:xfrm>
+          <a:prstGeom prst="rect">
+            <a:avLst/>
+          </a:prstGeom>
+          <a:noFill/>
+          <a:extLst>
+            <a:ext uri="{909E8E84-426E-40DD-AFC4-6F175D3DCCD1}">
+              <a14:hiddenFill xmlns:a14="http://schemas.microsoft.com/office/drawing/2010/main">
+                <a:solidFill>
+                  <a:srgbClr val="FFFFFF"/>
+                </a:solidFill>
+              </a14:hiddenFill>
+            </a:ext>
+          </a:extLst>
+        </p:spPr>
+      </p:pic>
+      <p:pic>
+        <p:nvPicPr>
+          <p:cNvPr id="2054" name="Picture 6" descr="C:\Users\mario\Documents\GitHub\ProjetTDLOG\stata.png"/>
+          <p:cNvPicPr>
+            <a:picLocks noChangeAspect="1" noChangeArrowheads="1"/>
+          </p:cNvPicPr>
+          <p:nvPr/>
+        </p:nvPicPr>
+        <p:blipFill>
+          <a:blip r:embed="rId4">
+            <a:extLst>
+              <a:ext uri="{28A0092B-C50C-407E-A947-70E740481C1C}">
+                <a14:useLocalDpi xmlns:a14="http://schemas.microsoft.com/office/drawing/2010/main" val="0"/>
+              </a:ext>
+            </a:extLst>
+          </a:blip>
+          <a:srcRect/>
+          <a:stretch>
+            <a:fillRect/>
+          </a:stretch>
+        </p:blipFill>
+        <p:spPr bwMode="auto">
+          <a:xfrm>
+            <a:off x="4762563" y="2894115"/>
+            <a:ext cx="4246022" cy="3125374"/>
+          </a:xfrm>
+          <a:prstGeom prst="rect">
+            <a:avLst/>
+          </a:prstGeom>
+          <a:noFill/>
+          <a:extLst>
+            <a:ext uri="{909E8E84-426E-40DD-AFC4-6F175D3DCCD1}">
+              <a14:hiddenFill xmlns:a14="http://schemas.microsoft.com/office/drawing/2010/main">
+                <a:solidFill>
+                  <a:srgbClr val="FFFFFF"/>
+                </a:solidFill>
+              </a14:hiddenFill>
+            </a:ext>
+          </a:extLst>
+        </p:spPr>
+      </p:pic>
+      <p:pic>
+        <p:nvPicPr>
+          <p:cNvPr id="2056" name="Picture 8" descr="C:\Users\mario\Documents\GitHub\ProjetTDLOG\suite des actions.jpeg"/>
+          <p:cNvPicPr>
+            <a:picLocks noChangeAspect="1" noChangeArrowheads="1"/>
+          </p:cNvPicPr>
+          <p:nvPr/>
+        </p:nvPicPr>
+        <p:blipFill>
+          <a:blip r:embed="rId5">
+            <a:extLst>
+              <a:ext uri="{28A0092B-C50C-407E-A947-70E740481C1C}">
+                <a14:useLocalDpi xmlns:a14="http://schemas.microsoft.com/office/drawing/2010/main" val="0"/>
+              </a:ext>
+            </a:extLst>
+          </a:blip>
+          <a:srcRect/>
+          <a:stretch>
+            <a:fillRect/>
+          </a:stretch>
+        </p:blipFill>
+        <p:spPr bwMode="auto">
+          <a:xfrm>
+            <a:off x="245497" y="1503123"/>
+            <a:ext cx="8647514" cy="870190"/>
+          </a:xfrm>
+          <a:prstGeom prst="rect">
+            <a:avLst/>
+          </a:prstGeom>
+          <a:noFill/>
+          <a:extLst>
+            <a:ext uri="{909E8E84-426E-40DD-AFC4-6F175D3DCCD1}">
+              <a14:hiddenFill xmlns:a14="http://schemas.microsoft.com/office/drawing/2010/main">
+                <a:solidFill>
+                  <a:srgbClr val="FFFFFF"/>
+                </a:solidFill>
+              </a14:hiddenFill>
+            </a:ext>
+          </a:extLst>
+        </p:spPr>
+      </p:pic>
+      <p:pic>
+        <p:nvPicPr>
+          <p:cNvPr id="2050" name="Picture 2" descr="C:\Users\mario\Pictures\Picasa\Captures d'écran\Capture plein écran 27012016 090116.bmp.jpg"/>
+          <p:cNvPicPr>
+            <a:picLocks noChangeAspect="1" noChangeArrowheads="1"/>
+          </p:cNvPicPr>
+          <p:nvPr/>
+        </p:nvPicPr>
+        <p:blipFill>
+          <a:blip r:embed="rId6">
+            <a:extLst>
+              <a:ext uri="{28A0092B-C50C-407E-A947-70E740481C1C}">
+                <a14:useLocalDpi xmlns:a14="http://schemas.microsoft.com/office/drawing/2010/main" val="0"/>
+              </a:ext>
+            </a:extLst>
+          </a:blip>
+          <a:srcRect/>
+          <a:stretch>
+            <a:fillRect/>
+          </a:stretch>
+        </p:blipFill>
+        <p:spPr bwMode="auto">
+          <a:xfrm>
+            <a:off x="514413" y="4867251"/>
+            <a:ext cx="3457575" cy="495300"/>
+          </a:xfrm>
+          <a:prstGeom prst="rect">
+            <a:avLst/>
+          </a:prstGeom>
+          <a:noFill/>
+          <a:extLst>
+            <a:ext uri="{909E8E84-426E-40DD-AFC4-6F175D3DCCD1}">
+              <a14:hiddenFill xmlns:a14="http://schemas.microsoft.com/office/drawing/2010/main">
+                <a:solidFill>
+                  <a:srgbClr val="FFFFFF"/>
+                </a:solidFill>
+              </a14:hiddenFill>
+            </a:ext>
+          </a:extLst>
+        </p:spPr>
+      </p:pic>
+      <p:pic>
+        <p:nvPicPr>
+          <p:cNvPr id="3" name="Picture 3" descr="C:\Users\mario\Pictures\Picasa\Captures d'écran\Capture plein écran 27012016 090238.bmp.jpg"/>
+          <p:cNvPicPr>
+            <a:picLocks noChangeAspect="1" noChangeArrowheads="1"/>
+          </p:cNvPicPr>
+          <p:nvPr/>
+        </p:nvPicPr>
+        <p:blipFill>
+          <a:blip r:embed="rId7">
+            <a:extLst>
+              <a:ext uri="{28A0092B-C50C-407E-A947-70E740481C1C}">
+                <a14:useLocalDpi xmlns:a14="http://schemas.microsoft.com/office/drawing/2010/main" val="0"/>
+              </a:ext>
+            </a:extLst>
+          </a:blip>
+          <a:srcRect/>
+          <a:stretch>
+            <a:fillRect/>
+          </a:stretch>
+        </p:blipFill>
+        <p:spPr bwMode="auto">
+          <a:xfrm>
+            <a:off x="514413" y="6133673"/>
+            <a:ext cx="4248150" cy="504825"/>
+          </a:xfrm>
+          <a:prstGeom prst="rect">
+            <a:avLst/>
+          </a:prstGeom>
+          <a:noFill/>
+          <a:extLst>
+            <a:ext uri="{909E8E84-426E-40DD-AFC4-6F175D3DCCD1}">
+              <a14:hiddenFill xmlns:a14="http://schemas.microsoft.com/office/drawing/2010/main">
+                <a:solidFill>
+                  <a:srgbClr val="FFFFFF"/>
+                </a:solidFill>
+              </a14:hiddenFill>
+            </a:ext>
+          </a:extLst>
+        </p:spPr>
+      </p:pic>
     </p:spTree>
     <p:extLst>
       <p:ext uri="{BB962C8B-B14F-4D97-AF65-F5344CB8AC3E}">
-        <p14:creationId xmlns:p14="http://schemas.microsoft.com/office/powerpoint/2010/main" val="2234417603"/>
+        <p14:creationId xmlns:p14="http://schemas.microsoft.com/office/powerpoint/2010/main" val="1397913339"/>
       </p:ext>
     </p:extLst>
   </p:cSld>
@@ -15430,6 +16062,92 @@
             <p:ph type="title"/>
           </p:nvPr>
         </p:nvSpPr>
+        <p:spPr/>
+        <p:txBody>
+          <a:bodyPr>
+            <a:normAutofit/>
+          </a:bodyPr>
+          <a:lstStyle/>
+          <a:p>
+            <a:r>
+              <a:rPr lang="en-US" dirty="0" err="1">
+                <a:solidFill>
+                  <a:schemeClr val="accent1"/>
+                </a:solidFill>
+                <a:effectLst>
+                  <a:glow rad="63500">
+                    <a:schemeClr val="accent1">
+                      <a:satMod val="175000"/>
+                      <a:alpha val="40000"/>
+                    </a:schemeClr>
+                  </a:glow>
+                </a:effectLst>
+              </a:rPr>
+              <a:t>Démonstration</a:t>
+            </a:r>
+            <a:endParaRPr lang="en-US" dirty="0">
+              <a:solidFill>
+                <a:schemeClr val="accent1"/>
+              </a:solidFill>
+              <a:effectLst>
+                <a:glow rad="63500">
+                  <a:schemeClr val="accent1">
+                    <a:satMod val="175000"/>
+                    <a:alpha val="40000"/>
+                  </a:schemeClr>
+                </a:glow>
+              </a:effectLst>
+            </a:endParaRPr>
+          </a:p>
+        </p:txBody>
+      </p:sp>
+    </p:spTree>
+    <p:extLst>
+      <p:ext uri="{BB962C8B-B14F-4D97-AF65-F5344CB8AC3E}">
+        <p14:creationId xmlns:p14="http://schemas.microsoft.com/office/powerpoint/2010/main" val="2234417603"/>
+      </p:ext>
+    </p:extLst>
+  </p:cSld>
+  <p:clrMapOvr>
+    <a:masterClrMapping/>
+  </p:clrMapOvr>
+  <p:timing>
+    <p:tnLst>
+      <p:par>
+        <p:cTn id="1" dur="indefinite" restart="never" nodeType="tmRoot"/>
+      </p:par>
+    </p:tnLst>
+  </p:timing>
+</p:sld>
+</file>
+
+<file path=ppt/slides/slide8.xml><?xml version="1.0" encoding="utf-8"?>
+<p:sld xmlns:a="http://schemas.openxmlformats.org/drawingml/2006/main" xmlns:r="http://schemas.openxmlformats.org/officeDocument/2006/relationships" xmlns:p="http://schemas.openxmlformats.org/presentationml/2006/main">
+  <p:cSld>
+    <p:spTree>
+      <p:nvGrpSpPr>
+        <p:cNvPr id="1" name=""/>
+        <p:cNvGrpSpPr/>
+        <p:nvPr/>
+      </p:nvGrpSpPr>
+      <p:grpSpPr>
+        <a:xfrm>
+          <a:off x="0" y="0"/>
+          <a:ext cx="0" cy="0"/>
+          <a:chOff x="0" y="0"/>
+          <a:chExt cx="0" cy="0"/>
+        </a:xfrm>
+      </p:grpSpPr>
+      <p:sp>
+        <p:nvSpPr>
+          <p:cNvPr id="2" name="Title 1"/>
+          <p:cNvSpPr>
+            <a:spLocks noGrp="1"/>
+          </p:cNvSpPr>
+          <p:nvPr>
+            <p:ph type="title"/>
+          </p:nvPr>
+        </p:nvSpPr>
         <p:spPr>
           <a:xfrm>
             <a:off x="914400" y="109615"/>
@@ -15552,11 +16270,7 @@
             </a:r>
             <a:r>
               <a:rPr lang="en-US" dirty="0" smtClean="0"/>
-              <a:t> </a:t>
-            </a:r>
-            <a:r>
-              <a:rPr lang="en-US" dirty="0" smtClean="0"/>
-              <a:t>de </a:t>
+              <a:t> de </a:t>
             </a:r>
             <a:r>
               <a:rPr lang="en-US" dirty="0" err="1" smtClean="0"/>
@@ -15598,11 +16312,7 @@
             </a:r>
             <a:r>
               <a:rPr lang="en-US" dirty="0" smtClean="0"/>
-              <a:t> </a:t>
-            </a:r>
-            <a:r>
-              <a:rPr lang="en-US" dirty="0" smtClean="0"/>
-              <a:t>la modification/suppression des fiches</a:t>
+              <a:t> la modification/suppression des fiches</a:t>
             </a:r>
           </a:p>
           <a:p>
@@ -15699,11 +16409,7 @@
             </a:r>
             <a:r>
               <a:rPr lang="en-US" dirty="0" smtClean="0"/>
-              <a:t> </a:t>
-            </a:r>
-            <a:r>
-              <a:rPr lang="en-US" dirty="0" smtClean="0"/>
-              <a:t>au bout de </a:t>
+              <a:t> au bout de </a:t>
             </a:r>
             <a:r>
               <a:rPr lang="en-US" dirty="0" err="1" smtClean="0"/>
@@ -15782,7 +16488,7 @@
 </p:sld>
 </file>
 
-<file path=ppt/slides/slide8.xml><?xml version="1.0" encoding="utf-8"?>
+<file path=ppt/slides/slide9.xml><?xml version="1.0" encoding="utf-8"?>
 <p:sld xmlns:a="http://schemas.openxmlformats.org/drawingml/2006/main" xmlns:r="http://schemas.openxmlformats.org/officeDocument/2006/relationships" xmlns:p="http://schemas.openxmlformats.org/presentationml/2006/main">
   <p:cSld>
     <p:spTree>
@@ -16027,122 +16733,6 @@
     <p:extLst>
       <p:ext uri="{BB962C8B-B14F-4D97-AF65-F5344CB8AC3E}">
         <p14:creationId xmlns:p14="http://schemas.microsoft.com/office/powerpoint/2010/main" val="4073810876"/>
-      </p:ext>
-    </p:extLst>
-  </p:cSld>
-  <p:clrMapOvr>
-    <a:masterClrMapping/>
-  </p:clrMapOvr>
-  <p:timing>
-    <p:tnLst>
-      <p:par>
-        <p:cTn id="1" dur="indefinite" restart="never" nodeType="tmRoot"/>
-      </p:par>
-    </p:tnLst>
-  </p:timing>
-</p:sld>
-</file>
-
-<file path=ppt/slides/slide9.xml><?xml version="1.0" encoding="utf-8"?>
-<p:sld xmlns:a="http://schemas.openxmlformats.org/drawingml/2006/main" xmlns:r="http://schemas.openxmlformats.org/officeDocument/2006/relationships" xmlns:p="http://schemas.openxmlformats.org/presentationml/2006/main">
-  <p:cSld>
-    <p:spTree>
-      <p:nvGrpSpPr>
-        <p:cNvPr id="1" name=""/>
-        <p:cNvGrpSpPr/>
-        <p:nvPr/>
-      </p:nvGrpSpPr>
-      <p:grpSpPr>
-        <a:xfrm>
-          <a:off x="0" y="0"/>
-          <a:ext cx="0" cy="0"/>
-          <a:chOff x="0" y="0"/>
-          <a:chExt cx="0" cy="0"/>
-        </a:xfrm>
-      </p:grpSpPr>
-      <p:sp>
-        <p:nvSpPr>
-          <p:cNvPr id="2" name="Titre 1"/>
-          <p:cNvSpPr>
-            <a:spLocks noGrp="1"/>
-          </p:cNvSpPr>
-          <p:nvPr>
-            <p:ph type="title"/>
-          </p:nvPr>
-        </p:nvSpPr>
-        <p:spPr/>
-        <p:txBody>
-          <a:bodyPr>
-            <a:normAutofit/>
-          </a:bodyPr>
-          <a:lstStyle/>
-          <a:p>
-            <a:r>
-              <a:rPr lang="fr-FR" dirty="0">
-                <a:solidFill>
-                  <a:schemeClr val="accent1"/>
-                </a:solidFill>
-                <a:effectLst>
-                  <a:glow rad="63500">
-                    <a:schemeClr val="accent1">
-                      <a:satMod val="175000"/>
-                      <a:alpha val="40000"/>
-                    </a:schemeClr>
-                  </a:glow>
-                </a:effectLst>
-              </a:rPr>
-              <a:t>Merci de votre attention</a:t>
-            </a:r>
-            <a:endParaRPr lang="fr-FR" dirty="0">
-              <a:solidFill>
-                <a:schemeClr val="accent1"/>
-              </a:solidFill>
-              <a:effectLst>
-                <a:glow rad="63500">
-                  <a:schemeClr val="accent1">
-                    <a:satMod val="175000"/>
-                    <a:alpha val="40000"/>
-                  </a:schemeClr>
-                </a:glow>
-              </a:effectLst>
-            </a:endParaRPr>
-          </a:p>
-        </p:txBody>
-      </p:sp>
-      <p:sp>
-        <p:nvSpPr>
-          <p:cNvPr id="3" name="Espace réservé du contenu 2"/>
-          <p:cNvSpPr>
-            <a:spLocks noGrp="1"/>
-          </p:cNvSpPr>
-          <p:nvPr>
-            <p:ph idx="1"/>
-          </p:nvPr>
-        </p:nvSpPr>
-        <p:spPr/>
-        <p:txBody>
-          <a:bodyPr/>
-          <a:lstStyle/>
-          <a:p>
-            <a:pPr marL="45720" indent="0">
-              <a:buNone/>
-            </a:pPr>
-            <a:r>
-              <a:rPr lang="fr-FR" dirty="0" smtClean="0"/>
-              <a:t>Anna Le Cerf, Marion </a:t>
-            </a:r>
-            <a:r>
-              <a:rPr lang="fr-FR" dirty="0" err="1" smtClean="0"/>
-              <a:t>Tormento</a:t>
-            </a:r>
-            <a:endParaRPr lang="fr-FR" dirty="0"/>
-          </a:p>
-        </p:txBody>
-      </p:sp>
-    </p:spTree>
-    <p:extLst>
-      <p:ext uri="{BB962C8B-B14F-4D97-AF65-F5344CB8AC3E}">
-        <p14:creationId xmlns:p14="http://schemas.microsoft.com/office/powerpoint/2010/main" val="1011754086"/>
       </p:ext>
     </p:extLst>
   </p:cSld>
